--- a/assets/style-transfer_depth.pptx
+++ b/assets/style-transfer_depth.pptx
@@ -6,6 +6,7 @@
   </p:sldMasterIdLst>
   <p:sldIdLst>
     <p:sldId id="256" r:id="rId2"/>
+    <p:sldId id="257" r:id="rId3"/>
   </p:sldIdLst>
   <p:sldSz cx="12192000" cy="6858000"/>
   <p:notesSz cx="6858000" cy="9144000"/>
@@ -104,6 +105,11 @@
       </a:defRPr>
     </a:lvl9pPr>
   </p:defaultTextStyle>
+  <p:extLst>
+    <p:ext uri="{EFAFB233-063F-42B5-8137-9DF3F51BA10A}">
+      <p15:sldGuideLst xmlns:p15="http://schemas.microsoft.com/office/powerpoint/2012/main"/>
+    </p:ext>
+  </p:extLst>
 </p:presentation>
 </file>
 
@@ -254,7 +260,7 @@
           <a:p>
             <a:fld id="{0E4C19A4-B8C1-B94F-94C3-AD21ECFA2DEC}" type="datetimeFigureOut">
               <a:rPr lang="en-US" smtClean="0"/>
-              <a:t>8/2/18</a:t>
+              <a:t>5/24/20</a:t>
             </a:fld>
             <a:endParaRPr lang="en-US"/>
           </a:p>
@@ -452,7 +458,7 @@
           <a:p>
             <a:fld id="{0E4C19A4-B8C1-B94F-94C3-AD21ECFA2DEC}" type="datetimeFigureOut">
               <a:rPr lang="en-US" smtClean="0"/>
-              <a:t>8/2/18</a:t>
+              <a:t>5/24/20</a:t>
             </a:fld>
             <a:endParaRPr lang="en-US"/>
           </a:p>
@@ -660,7 +666,7 @@
           <a:p>
             <a:fld id="{0E4C19A4-B8C1-B94F-94C3-AD21ECFA2DEC}" type="datetimeFigureOut">
               <a:rPr lang="en-US" smtClean="0"/>
-              <a:t>8/2/18</a:t>
+              <a:t>5/24/20</a:t>
             </a:fld>
             <a:endParaRPr lang="en-US"/>
           </a:p>
@@ -858,7 +864,7 @@
           <a:p>
             <a:fld id="{0E4C19A4-B8C1-B94F-94C3-AD21ECFA2DEC}" type="datetimeFigureOut">
               <a:rPr lang="en-US" smtClean="0"/>
-              <a:t>8/2/18</a:t>
+              <a:t>5/24/20</a:t>
             </a:fld>
             <a:endParaRPr lang="en-US"/>
           </a:p>
@@ -1133,7 +1139,7 @@
           <a:p>
             <a:fld id="{0E4C19A4-B8C1-B94F-94C3-AD21ECFA2DEC}" type="datetimeFigureOut">
               <a:rPr lang="en-US" smtClean="0"/>
-              <a:t>8/2/18</a:t>
+              <a:t>5/24/20</a:t>
             </a:fld>
             <a:endParaRPr lang="en-US"/>
           </a:p>
@@ -1398,7 +1404,7 @@
           <a:p>
             <a:fld id="{0E4C19A4-B8C1-B94F-94C3-AD21ECFA2DEC}" type="datetimeFigureOut">
               <a:rPr lang="en-US" smtClean="0"/>
-              <a:t>8/2/18</a:t>
+              <a:t>5/24/20</a:t>
             </a:fld>
             <a:endParaRPr lang="en-US"/>
           </a:p>
@@ -1810,7 +1816,7 @@
           <a:p>
             <a:fld id="{0E4C19A4-B8C1-B94F-94C3-AD21ECFA2DEC}" type="datetimeFigureOut">
               <a:rPr lang="en-US" smtClean="0"/>
-              <a:t>8/2/18</a:t>
+              <a:t>5/24/20</a:t>
             </a:fld>
             <a:endParaRPr lang="en-US"/>
           </a:p>
@@ -1951,7 +1957,7 @@
           <a:p>
             <a:fld id="{0E4C19A4-B8C1-B94F-94C3-AD21ECFA2DEC}" type="datetimeFigureOut">
               <a:rPr lang="en-US" smtClean="0"/>
-              <a:t>8/2/18</a:t>
+              <a:t>5/24/20</a:t>
             </a:fld>
             <a:endParaRPr lang="en-US"/>
           </a:p>
@@ -2064,7 +2070,7 @@
           <a:p>
             <a:fld id="{0E4C19A4-B8C1-B94F-94C3-AD21ECFA2DEC}" type="datetimeFigureOut">
               <a:rPr lang="en-US" smtClean="0"/>
-              <a:t>8/2/18</a:t>
+              <a:t>5/24/20</a:t>
             </a:fld>
             <a:endParaRPr lang="en-US"/>
           </a:p>
@@ -2375,7 +2381,7 @@
           <a:p>
             <a:fld id="{0E4C19A4-B8C1-B94F-94C3-AD21ECFA2DEC}" type="datetimeFigureOut">
               <a:rPr lang="en-US" smtClean="0"/>
-              <a:t>8/2/18</a:t>
+              <a:t>5/24/20</a:t>
             </a:fld>
             <a:endParaRPr lang="en-US"/>
           </a:p>
@@ -2663,7 +2669,7 @@
           <a:p>
             <a:fld id="{0E4C19A4-B8C1-B94F-94C3-AD21ECFA2DEC}" type="datetimeFigureOut">
               <a:rPr lang="en-US" smtClean="0"/>
-              <a:t>8/2/18</a:t>
+              <a:t>5/24/20</a:t>
             </a:fld>
             <a:endParaRPr lang="en-US"/>
           </a:p>
@@ -2904,7 +2910,7 @@
           <a:p>
             <a:fld id="{0E4C19A4-B8C1-B94F-94C3-AD21ECFA2DEC}" type="datetimeFigureOut">
               <a:rPr lang="en-US" smtClean="0"/>
-              <a:t>8/2/18</a:t>
+              <a:t>5/24/20</a:t>
             </a:fld>
             <a:endParaRPr lang="en-US"/>
           </a:p>
@@ -3343,6 +3349,180 @@
         </p:blipFill>
         <p:spPr>
           <a:xfrm>
+            <a:off x="-6634752" y="14752"/>
+            <a:ext cx="10303565" cy="6843248"/>
+          </a:xfrm>
+          <a:prstGeom prst="rect">
+            <a:avLst/>
+          </a:prstGeom>
+        </p:spPr>
+      </p:pic>
+      <p:pic>
+        <p:nvPicPr>
+          <p:cNvPr id="5" name="Picture 4">
+            <a:extLst>
+              <a:ext uri="{FF2B5EF4-FFF2-40B4-BE49-F238E27FC236}">
+                <a16:creationId xmlns:a16="http://schemas.microsoft.com/office/drawing/2014/main" id="{E8676ABE-09DE-EB49-87A3-104E5C7176D0}"/>
+              </a:ext>
+            </a:extLst>
+          </p:cNvPr>
+          <p:cNvPicPr>
+            <a:picLocks noChangeAspect="1"/>
+          </p:cNvPicPr>
+          <p:nvPr/>
+        </p:nvPicPr>
+        <p:blipFill>
+          <a:blip r:embed="rId3"/>
+          <a:stretch>
+            <a:fillRect/>
+          </a:stretch>
+        </p:blipFill>
+        <p:spPr>
+          <a:xfrm>
+            <a:off x="4223748" y="14752"/>
+            <a:ext cx="10303565" cy="6858000"/>
+          </a:xfrm>
+          <a:prstGeom prst="rect">
+            <a:avLst/>
+          </a:prstGeom>
+        </p:spPr>
+      </p:pic>
+      <p:sp>
+        <p:nvSpPr>
+          <p:cNvPr id="2" name="TextBox 1">
+            <a:extLst>
+              <a:ext uri="{FF2B5EF4-FFF2-40B4-BE49-F238E27FC236}">
+                <a16:creationId xmlns:a16="http://schemas.microsoft.com/office/drawing/2014/main" id="{A431AA80-BF3F-5140-8D90-0224A393DBFD}"/>
+              </a:ext>
+            </a:extLst>
+          </p:cNvPr>
+          <p:cNvSpPr txBox="1"/>
+          <p:nvPr/>
+        </p:nvSpPr>
+        <p:spPr>
+          <a:xfrm>
+            <a:off x="-2621263" y="5735252"/>
+            <a:ext cx="2276585" cy="1107996"/>
+          </a:xfrm>
+          <a:prstGeom prst="rect">
+            <a:avLst/>
+          </a:prstGeom>
+          <a:noFill/>
+        </p:spPr>
+        <p:txBody>
+          <a:bodyPr wrap="none" rtlCol="0">
+            <a:spAutoFit/>
+          </a:bodyPr>
+          <a:lstStyle/>
+          <a:p>
+            <a:r>
+              <a:rPr lang="en-US" sz="6600" dirty="0">
+                <a:solidFill>
+                  <a:schemeClr val="bg1"/>
+                </a:solidFill>
+                <a:latin typeface="Open Sans" panose="020B0606030504020204" pitchFamily="34" charset="0"/>
+                <a:ea typeface="Open Sans" panose="020B0606030504020204" pitchFamily="34" charset="0"/>
+                <a:cs typeface="Open Sans" panose="020B0606030504020204" pitchFamily="34" charset="0"/>
+              </a:rPr>
+              <a:t>Input</a:t>
+            </a:r>
+          </a:p>
+        </p:txBody>
+      </p:sp>
+      <p:sp>
+        <p:nvSpPr>
+          <p:cNvPr id="6" name="TextBox 5">
+            <a:extLst>
+              <a:ext uri="{FF2B5EF4-FFF2-40B4-BE49-F238E27FC236}">
+                <a16:creationId xmlns:a16="http://schemas.microsoft.com/office/drawing/2014/main" id="{523545D5-6CB0-7A4D-8789-D12C652C1EB3}"/>
+              </a:ext>
+            </a:extLst>
+          </p:cNvPr>
+          <p:cNvSpPr txBox="1"/>
+          <p:nvPr/>
+        </p:nvSpPr>
+        <p:spPr>
+          <a:xfrm>
+            <a:off x="7876561" y="5735252"/>
+            <a:ext cx="2997937" cy="1107996"/>
+          </a:xfrm>
+          <a:prstGeom prst="rect">
+            <a:avLst/>
+          </a:prstGeom>
+          <a:noFill/>
+        </p:spPr>
+        <p:txBody>
+          <a:bodyPr wrap="none" rtlCol="0">
+            <a:spAutoFit/>
+          </a:bodyPr>
+          <a:lstStyle/>
+          <a:p>
+            <a:r>
+              <a:rPr lang="en-US" sz="6600" dirty="0">
+                <a:solidFill>
+                  <a:schemeClr val="bg1"/>
+                </a:solidFill>
+                <a:latin typeface="Open Sans" panose="020B0606030504020204" pitchFamily="34" charset="0"/>
+                <a:ea typeface="Open Sans" panose="020B0606030504020204" pitchFamily="34" charset="0"/>
+                <a:cs typeface="Open Sans" panose="020B0606030504020204" pitchFamily="34" charset="0"/>
+              </a:rPr>
+              <a:t>Output</a:t>
+            </a:r>
+          </a:p>
+        </p:txBody>
+      </p:sp>
+    </p:spTree>
+    <p:extLst>
+      <p:ext uri="{BB962C8B-B14F-4D97-AF65-F5344CB8AC3E}">
+        <p14:creationId xmlns:p14="http://schemas.microsoft.com/office/powerpoint/2010/main" val="1333987515"/>
+      </p:ext>
+    </p:extLst>
+  </p:cSld>
+  <p:clrMapOvr>
+    <a:masterClrMapping/>
+  </p:clrMapOvr>
+</p:sld>
+</file>
+
+<file path=ppt/slides/slide2.xml><?xml version="1.0" encoding="utf-8"?>
+<p:sld xmlns:a="http://schemas.openxmlformats.org/drawingml/2006/main" xmlns:r="http://schemas.openxmlformats.org/officeDocument/2006/relationships" xmlns:p="http://schemas.openxmlformats.org/presentationml/2006/main">
+  <p:cSld>
+    <p:spTree>
+      <p:nvGrpSpPr>
+        <p:cNvPr id="1" name=""/>
+        <p:cNvGrpSpPr/>
+        <p:nvPr/>
+      </p:nvGrpSpPr>
+      <p:grpSpPr>
+        <a:xfrm>
+          <a:off x="0" y="0"/>
+          <a:ext cx="0" cy="0"/>
+          <a:chOff x="0" y="0"/>
+          <a:chExt cx="0" cy="0"/>
+        </a:xfrm>
+      </p:grpSpPr>
+      <p:pic>
+        <p:nvPicPr>
+          <p:cNvPr id="4" name="Picture 3">
+            <a:extLst>
+              <a:ext uri="{FF2B5EF4-FFF2-40B4-BE49-F238E27FC236}">
+                <a16:creationId xmlns:a16="http://schemas.microsoft.com/office/drawing/2014/main" id="{B2332EA9-9F7A-E74F-9DB7-EACC36906B0F}"/>
+              </a:ext>
+            </a:extLst>
+          </p:cNvPr>
+          <p:cNvPicPr>
+            <a:picLocks noChangeAspect="1"/>
+          </p:cNvPicPr>
+          <p:nvPr/>
+        </p:nvPicPr>
+        <p:blipFill>
+          <a:blip r:embed="rId2"/>
+          <a:stretch>
+            <a:fillRect/>
+          </a:stretch>
+        </p:blipFill>
+        <p:spPr>
+          <a:xfrm>
             <a:off x="909048" y="-5295801"/>
             <a:ext cx="10303565" cy="6843248"/>
           </a:xfrm>
@@ -3384,7 +3564,7 @@
     </p:spTree>
     <p:extLst>
       <p:ext uri="{BB962C8B-B14F-4D97-AF65-F5344CB8AC3E}">
-        <p14:creationId xmlns:p14="http://schemas.microsoft.com/office/powerpoint/2010/main" val="1333987515"/>
+        <p14:creationId xmlns:p14="http://schemas.microsoft.com/office/powerpoint/2010/main" val="2194651974"/>
       </p:ext>
     </p:extLst>
   </p:cSld>
